--- a/06_HydrauliquePneumatique/PPT/01_IS_06_HydrauliquePneumatique_PPT.pptx
+++ b/06_HydrauliquePneumatique/PPT/01_IS_06_HydrauliquePneumatique_PPT.pptx
@@ -5,27 +5,26 @@
     <p:sldMasterId id="2147483672" r:id="rId1"/>
   </p:sldMasterIdLst>
   <p:notesMasterIdLst>
-    <p:notesMasterId r:id="rId17"/>
+    <p:notesMasterId r:id="rId16"/>
   </p:notesMasterIdLst>
   <p:handoutMasterIdLst>
-    <p:handoutMasterId r:id="rId18"/>
+    <p:handoutMasterId r:id="rId17"/>
   </p:handoutMasterIdLst>
   <p:sldIdLst>
     <p:sldId id="256" r:id="rId2"/>
     <p:sldId id="257" r:id="rId3"/>
     <p:sldId id="258" r:id="rId4"/>
-    <p:sldId id="259" r:id="rId5"/>
-    <p:sldId id="260" r:id="rId6"/>
-    <p:sldId id="261" r:id="rId7"/>
-    <p:sldId id="262" r:id="rId8"/>
-    <p:sldId id="263" r:id="rId9"/>
-    <p:sldId id="270" r:id="rId10"/>
-    <p:sldId id="271" r:id="rId11"/>
-    <p:sldId id="265" r:id="rId12"/>
-    <p:sldId id="266" r:id="rId13"/>
-    <p:sldId id="272" r:id="rId14"/>
-    <p:sldId id="267" r:id="rId15"/>
-    <p:sldId id="269" r:id="rId16"/>
+    <p:sldId id="260" r:id="rId5"/>
+    <p:sldId id="261" r:id="rId6"/>
+    <p:sldId id="262" r:id="rId7"/>
+    <p:sldId id="263" r:id="rId8"/>
+    <p:sldId id="270" r:id="rId9"/>
+    <p:sldId id="271" r:id="rId10"/>
+    <p:sldId id="265" r:id="rId11"/>
+    <p:sldId id="266" r:id="rId12"/>
+    <p:sldId id="272" r:id="rId13"/>
+    <p:sldId id="267" r:id="rId14"/>
+    <p:sldId id="269" r:id="rId15"/>
   </p:sldIdLst>
   <p:sldSz cx="9144000" cy="6858000" type="screen4x3"/>
   <p:notesSz cx="7099300" cy="10234613"/>
@@ -5081,7 +5080,7 @@
           <a:p>
             <a:fld id="{0063AF53-F080-4EED-89A2-71072976191D}" type="datetimeFigureOut">
               <a:rPr lang="fr-FR" smtClean="0"/>
-              <a:t>15/01/2015</a:t>
+              <a:t>16/01/2015</a:t>
             </a:fld>
             <a:endParaRPr lang="fr-FR"/>
           </a:p>
@@ -5247,7 +5246,7 @@
             <a:fld id="{408F55C5-7F94-4427-AC6E-B68A66649CA8}" type="datetimeFigureOut">
               <a:rPr lang="fr-FR" smtClean="0"/>
               <a:pPr/>
-              <a:t>15/01/2015</a:t>
+              <a:t>16/01/2015</a:t>
             </a:fld>
             <a:endParaRPr lang="fr-FR"/>
           </a:p>
@@ -5653,7 +5652,7 @@
           <a:p>
             <a:fld id="{9D56727F-6563-47CD-B250-CBA7B4B4FBDE}" type="datetime1">
               <a:rPr lang="fr-FR" smtClean="0"/>
-              <a:t>15/01/2015</a:t>
+              <a:t>16/01/2015</a:t>
             </a:fld>
             <a:endParaRPr lang="fr-BE"/>
           </a:p>
@@ -6527,7 +6526,7 @@
           <a:p>
             <a:fld id="{19ABCAB6-D49B-46FD-870F-99E10975C18F}" type="datetime1">
               <a:rPr lang="fr-FR" smtClean="0"/>
-              <a:t>15/01/2015</a:t>
+              <a:t>16/01/2015</a:t>
             </a:fld>
             <a:endParaRPr lang="fr-BE"/>
           </a:p>
@@ -6707,7 +6706,7 @@
           <a:p>
             <a:fld id="{DEEDBEA9-D968-4EC1-A19A-1F76B691A58C}" type="datetime1">
               <a:rPr lang="fr-FR" smtClean="0"/>
-              <a:t>15/01/2015</a:t>
+              <a:t>16/01/2015</a:t>
             </a:fld>
             <a:endParaRPr lang="fr-BE"/>
           </a:p>
@@ -6882,7 +6881,7 @@
           <a:p>
             <a:fld id="{9FC95688-4DB0-4F51-94A9-29BA89D545B3}" type="datetime1">
               <a:rPr lang="fr-FR" smtClean="0"/>
-              <a:t>15/01/2015</a:t>
+              <a:t>16/01/2015</a:t>
             </a:fld>
             <a:endParaRPr lang="fr-BE"/>
           </a:p>
@@ -7104,7 +7103,7 @@
           <a:p>
             <a:fld id="{20848678-D788-46FE-B700-C9269C74C891}" type="datetime1">
               <a:rPr lang="fr-FR" smtClean="0"/>
-              <a:t>15/01/2015</a:t>
+              <a:t>16/01/2015</a:t>
             </a:fld>
             <a:endParaRPr lang="fr-BE"/>
           </a:p>
@@ -7923,7 +7922,7 @@
           <a:p>
             <a:fld id="{79C16800-6255-4A73-95D9-53ECCA86BF18}" type="datetime1">
               <a:rPr lang="fr-FR" smtClean="0"/>
-              <a:t>15/01/2015</a:t>
+              <a:t>16/01/2015</a:t>
             </a:fld>
             <a:endParaRPr lang="fr-BE"/>
           </a:p>
@@ -8164,7 +8163,7 @@
           <a:p>
             <a:fld id="{2ECF0889-EA02-48F1-86FE-1B2AAC4C247E}" type="datetime1">
               <a:rPr lang="fr-FR" smtClean="0"/>
-              <a:t>15/01/2015</a:t>
+              <a:t>16/01/2015</a:t>
             </a:fld>
             <a:endParaRPr lang="fr-BE"/>
           </a:p>
@@ -8492,7 +8491,7 @@
           <a:p>
             <a:fld id="{712E9D54-6766-4EFC-BDD9-0C3193CEE8BD}" type="datetime1">
               <a:rPr lang="fr-FR" smtClean="0"/>
-              <a:t>15/01/2015</a:t>
+              <a:t>16/01/2015</a:t>
             </a:fld>
             <a:endParaRPr lang="fr-BE"/>
           </a:p>
@@ -8587,7 +8586,7 @@
           <a:p>
             <a:fld id="{5469AE92-F693-4AF4-B39E-ECB41C1DA14C}" type="datetime1">
               <a:rPr lang="fr-FR" smtClean="0"/>
-              <a:t>15/01/2015</a:t>
+              <a:t>16/01/2015</a:t>
             </a:fld>
             <a:endParaRPr lang="fr-BE"/>
           </a:p>
@@ -9109,7 +9108,7 @@
           <a:p>
             <a:fld id="{15EB620E-D183-4F2A-BD4F-6B1729D1A0DE}" type="datetime1">
               <a:rPr lang="fr-FR" smtClean="0"/>
-              <a:t>15/01/2015</a:t>
+              <a:t>16/01/2015</a:t>
             </a:fld>
             <a:endParaRPr lang="fr-BE"/>
           </a:p>
@@ -9625,7 +9624,7 @@
           <a:p>
             <a:fld id="{2D38B004-A344-4981-8789-E15D3302231A}" type="datetime1">
               <a:rPr lang="fr-FR" smtClean="0"/>
-              <a:t>15/01/2015</a:t>
+              <a:t>16/01/2015</a:t>
             </a:fld>
             <a:endParaRPr lang="fr-BE"/>
           </a:p>
@@ -9875,7 +9874,7 @@
           <a:p>
             <a:fld id="{002E150F-AA26-4E99-A02A-7CA355CA54B4}" type="datetime1">
               <a:rPr lang="fr-FR" smtClean="0"/>
-              <a:t>15/01/2015</a:t>
+              <a:t>16/01/2015</a:t>
             </a:fld>
             <a:endParaRPr lang="fr-BE"/>
           </a:p>
@@ -10883,276 +10882,6 @@
           <a:lstStyle/>
           <a:p>
             <a:r>
-              <a:rPr lang="fr-FR" dirty="0"/>
-              <a:t>Convertisseurs d’énergie</a:t>
-            </a:r>
-            <a:br>
-              <a:rPr lang="fr-FR" dirty="0"/>
-            </a:br>
-            <a:r>
-              <a:rPr lang="fr-FR" dirty="0"/>
-              <a:t>Les vérins</a:t>
-            </a:r>
-          </a:p>
-        </p:txBody>
-      </p:sp>
-      <p:sp>
-        <p:nvSpPr>
-          <p:cNvPr id="4" name="Espace réservé du numéro de diapositive 3"/>
-          <p:cNvSpPr>
-            <a:spLocks noGrp="1"/>
-          </p:cNvSpPr>
-          <p:nvPr>
-            <p:ph type="sldNum" sz="quarter" idx="15"/>
-          </p:nvPr>
-        </p:nvSpPr>
-        <p:spPr/>
-        <p:txBody>
-          <a:bodyPr/>
-          <a:lstStyle/>
-          <a:p>
-            <a:fld id="{CF4668DC-857F-487D-BFFA-8C0CA5037977}" type="slidenum">
-              <a:rPr lang="fr-BE" smtClean="0"/>
-              <a:pPr/>
-              <a:t>10</a:t>
-            </a:fld>
-            <a:endParaRPr lang="fr-BE"/>
-          </a:p>
-        </p:txBody>
-      </p:sp>
-      <p:sp>
-        <p:nvSpPr>
-          <p:cNvPr id="5" name="Espace réservé du pied de page 4"/>
-          <p:cNvSpPr>
-            <a:spLocks noGrp="1"/>
-          </p:cNvSpPr>
-          <p:nvPr>
-            <p:ph type="ftr" sz="quarter" idx="16"/>
-          </p:nvPr>
-        </p:nvSpPr>
-        <p:spPr/>
-        <p:txBody>
-          <a:bodyPr/>
-          <a:lstStyle/>
-          <a:p>
-            <a:r>
-              <a:rPr lang="fr-BE" smtClean="0"/>
-              <a:t>Xavier Pessoles - Jean-Pierre Pupier</a:t>
-            </a:r>
-            <a:endParaRPr lang="fr-BE"/>
-          </a:p>
-        </p:txBody>
-      </p:sp>
-      <p:pic>
-        <p:nvPicPr>
-          <p:cNvPr id="7171" name="Picture 3"/>
-          <p:cNvPicPr>
-            <a:picLocks noChangeAspect="1" noChangeArrowheads="1"/>
-          </p:cNvPicPr>
-          <p:nvPr/>
-        </p:nvPicPr>
-        <p:blipFill>
-          <a:blip r:embed="rId2">
-            <a:extLst>
-              <a:ext uri="{28A0092B-C50C-407E-A947-70E740481C1C}">
-                <a14:useLocalDpi xmlns:a14="http://schemas.microsoft.com/office/drawing/2010/main" val="0"/>
-              </a:ext>
-            </a:extLst>
-          </a:blip>
-          <a:srcRect/>
-          <a:stretch>
-            <a:fillRect/>
-          </a:stretch>
-        </p:blipFill>
-        <p:spPr bwMode="auto">
-          <a:xfrm>
-            <a:off x="323528" y="1196752"/>
-            <a:ext cx="7096125" cy="1581150"/>
-          </a:xfrm>
-          <a:prstGeom prst="rect">
-            <a:avLst/>
-          </a:prstGeom>
-          <a:noFill/>
-          <a:ln>
-            <a:noFill/>
-          </a:ln>
-          <a:extLst>
-            <a:ext uri="{909E8E84-426E-40DD-AFC4-6F175D3DCCD1}">
-              <a14:hiddenFill xmlns:a14="http://schemas.microsoft.com/office/drawing/2010/main">
-                <a:solidFill>
-                  <a:schemeClr val="accent1"/>
-                </a:solidFill>
-              </a14:hiddenFill>
-            </a:ext>
-            <a:ext uri="{91240B29-F687-4F45-9708-019B960494DF}">
-              <a14:hiddenLine xmlns:a14="http://schemas.microsoft.com/office/drawing/2010/main" w="9525">
-                <a:solidFill>
-                  <a:schemeClr val="tx1"/>
-                </a:solidFill>
-                <a:miter lim="800000"/>
-                <a:headEnd/>
-                <a:tailEnd/>
-              </a14:hiddenLine>
-            </a:ext>
-          </a:extLst>
-        </p:spPr>
-      </p:pic>
-      <p:pic>
-        <p:nvPicPr>
-          <p:cNvPr id="7172" name="Picture 4"/>
-          <p:cNvPicPr>
-            <a:picLocks noChangeAspect="1" noChangeArrowheads="1"/>
-          </p:cNvPicPr>
-          <p:nvPr/>
-        </p:nvPicPr>
-        <p:blipFill>
-          <a:blip r:embed="rId3">
-            <a:extLst>
-              <a:ext uri="{28A0092B-C50C-407E-A947-70E740481C1C}">
-                <a14:useLocalDpi xmlns:a14="http://schemas.microsoft.com/office/drawing/2010/main" val="0"/>
-              </a:ext>
-            </a:extLst>
-          </a:blip>
-          <a:srcRect/>
-          <a:stretch>
-            <a:fillRect/>
-          </a:stretch>
-        </p:blipFill>
-        <p:spPr bwMode="auto">
-          <a:xfrm>
-            <a:off x="323528" y="2777902"/>
-            <a:ext cx="7086600" cy="2000250"/>
-          </a:xfrm>
-          <a:prstGeom prst="rect">
-            <a:avLst/>
-          </a:prstGeom>
-          <a:noFill/>
-          <a:ln>
-            <a:noFill/>
-          </a:ln>
-          <a:extLst>
-            <a:ext uri="{909E8E84-426E-40DD-AFC4-6F175D3DCCD1}">
-              <a14:hiddenFill xmlns:a14="http://schemas.microsoft.com/office/drawing/2010/main">
-                <a:solidFill>
-                  <a:schemeClr val="accent1"/>
-                </a:solidFill>
-              </a14:hiddenFill>
-            </a:ext>
-            <a:ext uri="{91240B29-F687-4F45-9708-019B960494DF}">
-              <a14:hiddenLine xmlns:a14="http://schemas.microsoft.com/office/drawing/2010/main" w="9525">
-                <a:solidFill>
-                  <a:schemeClr val="tx1"/>
-                </a:solidFill>
-                <a:miter lim="800000"/>
-                <a:headEnd/>
-                <a:tailEnd/>
-              </a14:hiddenLine>
-            </a:ext>
-          </a:extLst>
-        </p:spPr>
-      </p:pic>
-      <p:pic>
-        <p:nvPicPr>
-          <p:cNvPr id="7173" name="Picture 5"/>
-          <p:cNvPicPr>
-            <a:picLocks noChangeAspect="1" noChangeArrowheads="1"/>
-          </p:cNvPicPr>
-          <p:nvPr/>
-        </p:nvPicPr>
-        <p:blipFill>
-          <a:blip r:embed="rId4">
-            <a:extLst>
-              <a:ext uri="{28A0092B-C50C-407E-A947-70E740481C1C}">
-                <a14:useLocalDpi xmlns:a14="http://schemas.microsoft.com/office/drawing/2010/main" val="0"/>
-              </a:ext>
-            </a:extLst>
-          </a:blip>
-          <a:srcRect/>
-          <a:stretch>
-            <a:fillRect/>
-          </a:stretch>
-        </p:blipFill>
-        <p:spPr bwMode="auto">
-          <a:xfrm>
-            <a:off x="827584" y="4786619"/>
-            <a:ext cx="4930502" cy="1825868"/>
-          </a:xfrm>
-          <a:prstGeom prst="rect">
-            <a:avLst/>
-          </a:prstGeom>
-          <a:noFill/>
-          <a:ln>
-            <a:noFill/>
-          </a:ln>
-          <a:extLst>
-            <a:ext uri="{909E8E84-426E-40DD-AFC4-6F175D3DCCD1}">
-              <a14:hiddenFill xmlns:a14="http://schemas.microsoft.com/office/drawing/2010/main">
-                <a:solidFill>
-                  <a:schemeClr val="accent1"/>
-                </a:solidFill>
-              </a14:hiddenFill>
-            </a:ext>
-            <a:ext uri="{91240B29-F687-4F45-9708-019B960494DF}">
-              <a14:hiddenLine xmlns:a14="http://schemas.microsoft.com/office/drawing/2010/main" w="9525">
-                <a:solidFill>
-                  <a:schemeClr val="tx1"/>
-                </a:solidFill>
-                <a:miter lim="800000"/>
-                <a:headEnd/>
-                <a:tailEnd/>
-              </a14:hiddenLine>
-            </a:ext>
-          </a:extLst>
-        </p:spPr>
-      </p:pic>
-    </p:spTree>
-    <p:extLst>
-      <p:ext uri="{BB962C8B-B14F-4D97-AF65-F5344CB8AC3E}">
-        <p14:creationId xmlns:p14="http://schemas.microsoft.com/office/powerpoint/2010/main" val="3178474576"/>
-      </p:ext>
-    </p:extLst>
-  </p:cSld>
-  <p:clrMapOvr>
-    <a:masterClrMapping/>
-  </p:clrMapOvr>
-</p:sld>
-</file>
-
-<file path=ppt/slides/slide11.xml><?xml version="1.0" encoding="utf-8"?>
-<p:sld xmlns:a="http://schemas.openxmlformats.org/drawingml/2006/main" xmlns:r="http://schemas.openxmlformats.org/officeDocument/2006/relationships" xmlns:p="http://schemas.openxmlformats.org/presentationml/2006/main">
-  <p:cSld>
-    <p:spTree>
-      <p:nvGrpSpPr>
-        <p:cNvPr id="1" name=""/>
-        <p:cNvGrpSpPr/>
-        <p:nvPr/>
-      </p:nvGrpSpPr>
-      <p:grpSpPr>
-        <a:xfrm>
-          <a:off x="0" y="0"/>
-          <a:ext cx="0" cy="0"/>
-          <a:chOff x="0" y="0"/>
-          <a:chExt cx="0" cy="0"/>
-        </a:xfrm>
-      </p:grpSpPr>
-      <p:sp>
-        <p:nvSpPr>
-          <p:cNvPr id="2" name="Titre 1"/>
-          <p:cNvSpPr>
-            <a:spLocks noGrp="1"/>
-          </p:cNvSpPr>
-          <p:nvPr>
-            <p:ph type="title"/>
-          </p:nvPr>
-        </p:nvSpPr>
-        <p:spPr/>
-        <p:txBody>
-          <a:bodyPr>
-            <a:normAutofit fontScale="90000"/>
-          </a:bodyPr>
-          <a:lstStyle/>
-          <a:p>
-            <a:r>
               <a:rPr lang="fr-FR" dirty="0" smtClean="0"/>
               <a:t>Distributeurs (modulateurs) d’énergie</a:t>
             </a:r>
@@ -11185,7 +10914,7 @@
             <a:fld id="{CF4668DC-857F-487D-BFFA-8C0CA5037977}" type="slidenum">
               <a:rPr lang="fr-BE" smtClean="0"/>
               <a:pPr/>
-              <a:t>11</a:t>
+              <a:t>10</a:t>
             </a:fld>
             <a:endParaRPr lang="fr-BE"/>
           </a:p>
@@ -11283,7 +11012,7 @@
 </p:sld>
 </file>
 
-<file path=ppt/slides/slide12.xml><?xml version="1.0" encoding="utf-8"?>
+<file path=ppt/slides/slide11.xml><?xml version="1.0" encoding="utf-8"?>
 <p:sld xmlns:a="http://schemas.openxmlformats.org/drawingml/2006/main" xmlns:r="http://schemas.openxmlformats.org/officeDocument/2006/relationships" xmlns:p="http://schemas.openxmlformats.org/presentationml/2006/main">
   <p:cSld>
     <p:spTree>
@@ -11350,7 +11079,7 @@
             <a:fld id="{CF4668DC-857F-487D-BFFA-8C0CA5037977}" type="slidenum">
               <a:rPr lang="fr-BE" smtClean="0"/>
               <a:pPr/>
-              <a:t>12</a:t>
+              <a:t>11</a:t>
             </a:fld>
             <a:endParaRPr lang="fr-BE"/>
           </a:p>
@@ -11448,7 +11177,7 @@
 </p:sld>
 </file>
 
-<file path=ppt/slides/slide13.xml><?xml version="1.0" encoding="utf-8"?>
+<file path=ppt/slides/slide12.xml><?xml version="1.0" encoding="utf-8"?>
 <p:sld xmlns:a="http://schemas.openxmlformats.org/drawingml/2006/main" xmlns:r="http://schemas.openxmlformats.org/officeDocument/2006/relationships" xmlns:p="http://schemas.openxmlformats.org/presentationml/2006/main">
   <p:cSld>
     <p:spTree>
@@ -11514,7 +11243,7 @@
             <a:fld id="{CF4668DC-857F-487D-BFFA-8C0CA5037977}" type="slidenum">
               <a:rPr lang="fr-BE" smtClean="0"/>
               <a:pPr/>
-              <a:t>13</a:t>
+              <a:t>12</a:t>
             </a:fld>
             <a:endParaRPr lang="fr-BE"/>
           </a:p>
@@ -11599,6 +11328,36 @@
           </a:extLst>
         </p:spPr>
       </p:pic>
+      <p:sp>
+        <p:nvSpPr>
+          <p:cNvPr id="3" name="ZoneTexte 2"/>
+          <p:cNvSpPr txBox="1"/>
+          <p:nvPr/>
+        </p:nvSpPr>
+        <p:spPr>
+          <a:xfrm>
+            <a:off x="1583873" y="5515614"/>
+            <a:ext cx="648072" cy="369332"/>
+          </a:xfrm>
+          <a:prstGeom prst="rect">
+            <a:avLst/>
+          </a:prstGeom>
+          <a:noFill/>
+        </p:spPr>
+        <p:txBody>
+          <a:bodyPr wrap="square" rtlCol="0">
+            <a:spAutoFit/>
+          </a:bodyPr>
+          <a:lstStyle/>
+          <a:p>
+            <a:r>
+              <a:rPr lang="fr-FR" dirty="0" smtClean="0"/>
+              <a:t>5/3</a:t>
+            </a:r>
+            <a:endParaRPr lang="fr-FR" dirty="0"/>
+          </a:p>
+        </p:txBody>
+      </p:sp>
     </p:spTree>
     <p:extLst>
       <p:ext uri="{BB962C8B-B14F-4D97-AF65-F5344CB8AC3E}">
@@ -11612,7 +11371,7 @@
 </p:sld>
 </file>
 
-<file path=ppt/slides/slide14.xml><?xml version="1.0" encoding="utf-8"?>
+<file path=ppt/slides/slide13.xml><?xml version="1.0" encoding="utf-8"?>
 <p:sld xmlns:a="http://schemas.openxmlformats.org/drawingml/2006/main" xmlns:r="http://schemas.openxmlformats.org/officeDocument/2006/relationships" xmlns:p="http://schemas.openxmlformats.org/presentationml/2006/main">
   <p:cSld>
     <p:spTree>
@@ -11648,11 +11407,7 @@
           <a:p>
             <a:r>
               <a:rPr lang="fr-FR" dirty="0" smtClean="0"/>
-              <a:t>Actionneurs </a:t>
-            </a:r>
-            <a:r>
-              <a:rPr lang="fr-FR" dirty="0" smtClean="0"/>
-              <a:t>pneumatiques</a:t>
+              <a:t>Actionneurs pneumatiques</a:t>
             </a:r>
             <a:br>
               <a:rPr lang="fr-FR" dirty="0" smtClean="0"/>
@@ -11683,7 +11438,7 @@
             <a:fld id="{CF4668DC-857F-487D-BFFA-8C0CA5037977}" type="slidenum">
               <a:rPr lang="fr-BE" smtClean="0"/>
               <a:pPr/>
-              <a:t>14</a:t>
+              <a:t>13</a:t>
             </a:fld>
             <a:endParaRPr lang="fr-BE"/>
           </a:p>
@@ -11781,7 +11536,7 @@
 </p:sld>
 </file>
 
-<file path=ppt/slides/slide15.xml><?xml version="1.0" encoding="utf-8"?>
+<file path=ppt/slides/slide14.xml><?xml version="1.0" encoding="utf-8"?>
 <p:sld xmlns:a="http://schemas.openxmlformats.org/drawingml/2006/main" xmlns:r="http://schemas.openxmlformats.org/officeDocument/2006/relationships" xmlns:p="http://schemas.openxmlformats.org/presentationml/2006/main">
   <p:cSld>
     <p:spTree>
@@ -11858,7 +11613,7 @@
             <a:fld id="{CF4668DC-857F-487D-BFFA-8C0CA5037977}" type="slidenum">
               <a:rPr lang="fr-BE" smtClean="0"/>
               <a:pPr/>
-              <a:t>15</a:t>
+              <a:t>14</a:t>
             </a:fld>
             <a:endParaRPr lang="fr-BE"/>
           </a:p>
@@ -11990,8 +11745,8 @@
           </a:p>
         </p:txBody>
       </p:sp>
-      <mc:AlternateContent xmlns:mc="http://schemas.openxmlformats.org/markup-compatibility/2006">
-        <mc:Choice xmlns:a14="http://schemas.microsoft.com/office/drawing/2010/main" Requires="a14">
+      <mc:AlternateContent xmlns:mc="http://schemas.openxmlformats.org/markup-compatibility/2006" xmlns:a14="http://schemas.microsoft.com/office/drawing/2010/main">
+        <mc:Choice Requires="a14">
           <p:sp>
             <p:nvSpPr>
               <p:cNvPr id="3" name="Espace réservé du contenu 2"/>
@@ -12110,15 +11865,7 @@
                 </a14:m>
                 <a:r>
                   <a:rPr lang="fr-FR" dirty="0" smtClean="0"/>
-                  <a:t> </a:t>
-                </a:r>
-                <a:r>
-                  <a:rPr lang="fr-FR" dirty="0" smtClean="0"/>
-                  <a:t>en </a:t>
-                </a:r>
-                <a:r>
-                  <a:rPr lang="fr-FR" dirty="0" smtClean="0"/>
-                  <a:t>Pascal</a:t>
+                  <a:t> en Pascal</a:t>
                 </a:r>
               </a:p>
               <a:p>
@@ -12135,11 +11882,7 @@
                 </a14:m>
                 <a:r>
                   <a:rPr lang="fr-FR" dirty="0" smtClean="0"/>
-                  <a:t> </a:t>
-                </a:r>
-                <a:r>
-                  <a:rPr lang="fr-FR" dirty="0" smtClean="0"/>
-                  <a:t>en </a:t>
+                  <a:t> en </a:t>
                 </a:r>
                 <a14:m>
                   <m:oMath xmlns:m="http://schemas.openxmlformats.org/officeDocument/2006/math">
@@ -12167,15 +11910,7 @@
                 </a14:m>
                 <a:r>
                   <a:rPr lang="fr-FR" dirty="0" smtClean="0"/>
-                  <a:t> </a:t>
-                </a:r>
-                <a:r>
-                  <a:rPr lang="fr-FR" dirty="0" smtClean="0"/>
-                  <a:t>en </a:t>
-                </a:r>
-                <a:r>
-                  <a:rPr lang="fr-FR" dirty="0" smtClean="0"/>
-                  <a:t> </a:t>
+                  <a:t> en  </a:t>
                 </a:r>
                 <a14:m>
                   <m:oMath xmlns:m="http://schemas.openxmlformats.org/officeDocument/2006/math">
@@ -12549,7 +12284,7 @@
             </p:txBody>
           </p:sp>
         </mc:Choice>
-        <mc:Fallback>
+        <mc:Fallback xmlns="">
           <p:sp>
             <p:nvSpPr>
               <p:cNvPr id="3" name="Espace réservé du contenu 2"/>
@@ -12758,86 +12493,23 @@
           </a:p>
         </p:txBody>
       </p:sp>
-    </p:spTree>
-    <p:extLst>
-      <p:ext uri="{BB962C8B-B14F-4D97-AF65-F5344CB8AC3E}">
-        <p14:creationId xmlns:p14="http://schemas.microsoft.com/office/powerpoint/2010/main" val="3183257210"/>
-      </p:ext>
-    </p:extLst>
-  </p:cSld>
-  <p:clrMapOvr>
-    <a:masterClrMapping/>
-  </p:clrMapOvr>
-</p:sld>
-</file>
-
-<file path=ppt/slides/slide4.xml><?xml version="1.0" encoding="utf-8"?>
-<p:sld xmlns:a="http://schemas.openxmlformats.org/drawingml/2006/main" xmlns:r="http://schemas.openxmlformats.org/officeDocument/2006/relationships" xmlns:p="http://schemas.openxmlformats.org/presentationml/2006/main">
-  <p:cSld>
-    <p:spTree>
-      <p:nvGrpSpPr>
-        <p:cNvPr id="1" name=""/>
-        <p:cNvGrpSpPr/>
-        <p:nvPr/>
-      </p:nvGrpSpPr>
-      <p:grpSpPr>
-        <a:xfrm>
-          <a:off x="0" y="0"/>
-          <a:ext cx="0" cy="0"/>
-          <a:chOff x="0" y="0"/>
-          <a:chExt cx="0" cy="0"/>
-        </a:xfrm>
-      </p:grpSpPr>
-      <p:sp>
-        <p:nvSpPr>
-          <p:cNvPr id="2" name="Titre 1"/>
-          <p:cNvSpPr>
-            <a:spLocks noGrp="1"/>
-          </p:cNvSpPr>
-          <p:nvPr>
-            <p:ph type="title"/>
-          </p:nvPr>
-        </p:nvSpPr>
-        <p:spPr/>
-        <p:txBody>
-          <a:bodyPr>
-            <a:normAutofit fontScale="90000"/>
-          </a:bodyPr>
-          <a:lstStyle/>
-          <a:p>
-            <a:r>
-              <a:rPr lang="fr-FR" dirty="0" smtClean="0"/>
-              <a:t>Stockage et alimentation de l’énergie</a:t>
-            </a:r>
-            <a:br>
-              <a:rPr lang="fr-FR" dirty="0" smtClean="0"/>
-            </a:br>
-            <a:r>
-              <a:rPr lang="fr-FR" dirty="0" smtClean="0"/>
-              <a:t>Systèmes de stockage</a:t>
-            </a:r>
-            <a:endParaRPr lang="fr-FR" dirty="0"/>
-          </a:p>
-        </p:txBody>
-      </p:sp>
       <p:graphicFrame>
         <p:nvGraphicFramePr>
           <p:cNvPr id="6" name="Espace réservé du contenu 5"/>
           <p:cNvGraphicFramePr>
-            <a:graphicFrameLocks noGrp="1"/>
+            <a:graphicFrameLocks/>
           </p:cNvGraphicFramePr>
           <p:nvPr>
-            <p:ph sz="quarter" idx="1"/>
             <p:extLst>
               <p:ext uri="{D42A27DB-BD31-4B8C-83A1-F6EECF244321}">
-                <p14:modId xmlns:p14="http://schemas.microsoft.com/office/powerpoint/2010/main" val="2399903288"/>
+                <p14:modId xmlns:p14="http://schemas.microsoft.com/office/powerpoint/2010/main" val="3244821871"/>
               </p:ext>
             </p:extLst>
           </p:nvPr>
         </p:nvGraphicFramePr>
         <p:xfrm>
-          <a:off x="395536" y="1124744"/>
-          <a:ext cx="8424936" cy="4114800"/>
+          <a:off x="107504" y="1144634"/>
+          <a:ext cx="8424936" cy="3931920"/>
         </p:xfrm>
         <a:graphic>
           <a:graphicData uri="http://schemas.openxmlformats.org/drawingml/2006/table">
@@ -13003,19 +12675,19 @@
                         <a:rPr kumimoji="0" lang="fr-FR" sz="1200" u="none" strike="noStrike" kern="1200" baseline="0" dirty="0" smtClean="0">
                           <a:latin typeface="Calibri" panose="020F0502020204030204" pitchFamily="34" charset="0"/>
                         </a:rPr>
-                        <a:t>Source d’énergie exigeant un excellent conditionnement (filtration). Aucune</a:t>
+                        <a:t>Source d’énergie exigeant un excellent conditionnement (filtration). </a:t>
                       </a:r>
-                    </a:p>
-                    <a:p>
-                      <a:pPr marL="285750" indent="-285750">
-                        <a:buFont typeface="Arial" panose="020B0604020202020204" pitchFamily="34" charset="0"/>
-                        <a:buChar char="•"/>
-                      </a:pPr>
                       <a:r>
                         <a:rPr kumimoji="0" lang="fr-FR" sz="1200" u="none" strike="noStrike" kern="1200" baseline="0" dirty="0" smtClean="0">
                           <a:latin typeface="Calibri" panose="020F0502020204030204" pitchFamily="34" charset="0"/>
                         </a:rPr>
-                        <a:t>impureté, aucune poussière, etc., ne doit pénétrer dans le système.</a:t>
+                        <a:t>Aucune impureté</a:t>
+                      </a:r>
+                      <a:r>
+                        <a:rPr kumimoji="0" lang="fr-FR" sz="1200" u="none" strike="noStrike" kern="1200" baseline="0" dirty="0" smtClean="0">
+                          <a:latin typeface="Calibri" panose="020F0502020204030204" pitchFamily="34" charset="0"/>
+                        </a:rPr>
+                        <a:t>, aucune poussière, etc., ne doit pénétrer dans le système.</a:t>
                       </a:r>
                     </a:p>
                     <a:p>
@@ -13152,19 +12824,19 @@
                         <a:rPr kumimoji="0" lang="fr-FR" sz="1200" u="none" strike="noStrike" kern="1200" baseline="0" dirty="0" smtClean="0">
                           <a:latin typeface="Calibri" panose="020F0502020204030204" pitchFamily="34" charset="0"/>
                         </a:rPr>
-                        <a:t>Risques d’accident dus à l’utilisation de pressions élevées dans les systèmes 50 &lt;</a:t>
+                        <a:t>Risques d’accident dus à l’utilisation de pressions élevées dans les systèmes 50 </a:t>
                       </a:r>
-                    </a:p>
-                    <a:p>
-                      <a:pPr marL="285750" indent="-285750">
-                        <a:buFont typeface="Arial" panose="020B0604020202020204" pitchFamily="34" charset="0"/>
-                        <a:buChar char="•"/>
-                      </a:pPr>
                       <a:r>
                         <a:rPr kumimoji="0" lang="fr-FR" sz="1200" u="none" strike="noStrike" kern="1200" baseline="0" dirty="0" smtClean="0">
                           <a:latin typeface="Calibri" panose="020F0502020204030204" pitchFamily="34" charset="0"/>
                         </a:rPr>
-                        <a:t>P &lt; 700 bars.</a:t>
+                        <a:t>&lt;P </a:t>
+                      </a:r>
+                      <a:r>
+                        <a:rPr kumimoji="0" lang="fr-FR" sz="1200" u="none" strike="noStrike" kern="1200" baseline="0" dirty="0" smtClean="0">
+                          <a:latin typeface="Calibri" panose="020F0502020204030204" pitchFamily="34" charset="0"/>
+                        </a:rPr>
+                        <a:t>&lt; 700 bars.</a:t>
                       </a:r>
                     </a:p>
                     <a:p>
@@ -13212,19 +12884,19 @@
                         <a:rPr kumimoji="0" lang="fr-FR" sz="1200" u="none" strike="noStrike" kern="1200" baseline="0" dirty="0" smtClean="0">
                           <a:latin typeface="Calibri" panose="020F0502020204030204" pitchFamily="34" charset="0"/>
                         </a:rPr>
-                        <a:t>Matériel coûteux dont la maintenance est onéreuse du fait du prix de revient élevé des composants, du remplacement</a:t>
+                        <a:t>Matériel coûteux dont la maintenance est onéreuse du fait du prix de revient élevé des composants, du </a:t>
                       </a:r>
-                    </a:p>
-                    <a:p>
-                      <a:pPr marL="285750" indent="-285750">
-                        <a:buFont typeface="Arial" panose="020B0604020202020204" pitchFamily="34" charset="0"/>
-                        <a:buChar char="•"/>
-                      </a:pPr>
                       <a:r>
                         <a:rPr kumimoji="0" lang="fr-FR" sz="1200" u="none" strike="noStrike" kern="1200" baseline="0" dirty="0" smtClean="0">
                           <a:latin typeface="Calibri" panose="020F0502020204030204" pitchFamily="34" charset="0"/>
                         </a:rPr>
-                        <a:t>de l’huile hydraulique et des filtres.</a:t>
+                        <a:t>remplacement de </a:t>
+                      </a:r>
+                      <a:r>
+                        <a:rPr kumimoji="0" lang="fr-FR" sz="1200" u="none" strike="noStrike" kern="1200" baseline="0" dirty="0" smtClean="0">
+                          <a:latin typeface="Calibri" panose="020F0502020204030204" pitchFamily="34" charset="0"/>
+                        </a:rPr>
+                        <a:t>l’huile hydraulique et des filtres.</a:t>
                       </a:r>
                       <a:endParaRPr lang="fr-FR" sz="1200" dirty="0">
                         <a:latin typeface="Calibri" panose="020F0502020204030204" pitchFamily="34" charset="0"/>
@@ -13238,56 +12910,9 @@
           </a:graphicData>
         </a:graphic>
       </p:graphicFrame>
-      <p:sp>
-        <p:nvSpPr>
-          <p:cNvPr id="4" name="Espace réservé du numéro de diapositive 3"/>
-          <p:cNvSpPr>
-            <a:spLocks noGrp="1"/>
-          </p:cNvSpPr>
-          <p:nvPr>
-            <p:ph type="sldNum" sz="quarter" idx="15"/>
-          </p:nvPr>
-        </p:nvSpPr>
-        <p:spPr/>
-        <p:txBody>
-          <a:bodyPr/>
-          <a:lstStyle/>
-          <a:p>
-            <a:fld id="{CF4668DC-857F-487D-BFFA-8C0CA5037977}" type="slidenum">
-              <a:rPr lang="fr-BE" smtClean="0"/>
-              <a:pPr/>
-              <a:t>4</a:t>
-            </a:fld>
-            <a:endParaRPr lang="fr-BE"/>
-          </a:p>
-        </p:txBody>
-      </p:sp>
-      <p:sp>
-        <p:nvSpPr>
-          <p:cNvPr id="5" name="Espace réservé du pied de page 4"/>
-          <p:cNvSpPr>
-            <a:spLocks noGrp="1"/>
-          </p:cNvSpPr>
-          <p:nvPr>
-            <p:ph type="ftr" sz="quarter" idx="16"/>
-          </p:nvPr>
-        </p:nvSpPr>
-        <p:spPr/>
-        <p:txBody>
-          <a:bodyPr/>
-          <a:lstStyle/>
-          <a:p>
-            <a:r>
-              <a:rPr lang="fr-BE" smtClean="0"/>
-              <a:t>Xavier Pessoles - Jean-Pierre Pupier</a:t>
-            </a:r>
-            <a:endParaRPr lang="fr-BE"/>
-          </a:p>
-        </p:txBody>
-      </p:sp>
       <p:pic>
         <p:nvPicPr>
-          <p:cNvPr id="1026" name="Picture 2"/>
+          <p:cNvPr id="7" name="Picture 2"/>
           <p:cNvPicPr>
             <a:picLocks noChangeAspect="1" noChangeArrowheads="1"/>
           </p:cNvPicPr>
@@ -13342,7 +12967,7 @@
     </p:spTree>
     <p:extLst>
       <p:ext uri="{BB962C8B-B14F-4D97-AF65-F5344CB8AC3E}">
-        <p14:creationId xmlns:p14="http://schemas.microsoft.com/office/powerpoint/2010/main" val="1452441292"/>
+        <p14:creationId xmlns:p14="http://schemas.microsoft.com/office/powerpoint/2010/main" val="3183257210"/>
       </p:ext>
     </p:extLst>
   </p:cSld>
@@ -13352,7 +12977,7 @@
 </p:sld>
 </file>
 
-<file path=ppt/slides/slide5.xml><?xml version="1.0" encoding="utf-8"?>
+<file path=ppt/slides/slide4.xml><?xml version="1.0" encoding="utf-8"?>
 <p:sld xmlns:a="http://schemas.openxmlformats.org/drawingml/2006/main" xmlns:r="http://schemas.openxmlformats.org/officeDocument/2006/relationships" xmlns:p="http://schemas.openxmlformats.org/presentationml/2006/main">
   <p:cSld>
     <p:spTree>
@@ -13382,26 +13007,30 @@
         <p:spPr/>
         <p:txBody>
           <a:bodyPr>
-            <a:normAutofit fontScale="90000"/>
+            <a:normAutofit/>
           </a:bodyPr>
           <a:lstStyle/>
           <a:p>
             <a:r>
-              <a:rPr lang="fr-FR" dirty="0"/>
+              <a:rPr lang="fr-FR" sz="2400" dirty="0"/>
               <a:t>Stockage et alimentation de </a:t>
             </a:r>
             <a:r>
-              <a:rPr lang="fr-FR" dirty="0" smtClean="0"/>
+              <a:rPr lang="fr-FR" sz="2400" dirty="0" smtClean="0"/>
               <a:t>l’énergie</a:t>
             </a:r>
             <a:br>
-              <a:rPr lang="fr-FR" dirty="0" smtClean="0"/>
+              <a:rPr lang="fr-FR" sz="2400" dirty="0" smtClean="0"/>
             </a:br>
             <a:r>
-              <a:rPr lang="fr-FR" dirty="0" smtClean="0"/>
-              <a:t>Systèmes de conditionnement</a:t>
+              <a:rPr lang="fr-FR" sz="2400" dirty="0" smtClean="0"/>
+              <a:t>Systèmes de </a:t>
             </a:r>
-            <a:endParaRPr lang="fr-FR" dirty="0"/>
+            <a:r>
+              <a:rPr lang="fr-FR" sz="2400" dirty="0" smtClean="0"/>
+              <a:t>stockage et conditionnement</a:t>
+            </a:r>
+            <a:endParaRPr lang="fr-FR" sz="2400" dirty="0"/>
           </a:p>
         </p:txBody>
       </p:sp>
@@ -13442,7 +13071,7 @@
             <a:fld id="{CF4668DC-857F-487D-BFFA-8C0CA5037977}" type="slidenum">
               <a:rPr lang="fr-BE" smtClean="0"/>
               <a:pPr/>
-              <a:t>5</a:t>
+              <a:t>4</a:t>
             </a:fld>
             <a:endParaRPr lang="fr-BE"/>
           </a:p>
@@ -13754,7 +13383,7 @@
 </p:sld>
 </file>
 
-<file path=ppt/slides/slide6.xml><?xml version="1.0" encoding="utf-8"?>
+<file path=ppt/slides/slide5.xml><?xml version="1.0" encoding="utf-8"?>
 <p:sld xmlns:a="http://schemas.openxmlformats.org/drawingml/2006/main" xmlns:r="http://schemas.openxmlformats.org/officeDocument/2006/relationships" xmlns:p="http://schemas.openxmlformats.org/presentationml/2006/main">
   <p:cSld>
     <p:spTree>
@@ -13844,7 +13473,7 @@
             <a:fld id="{CF4668DC-857F-487D-BFFA-8C0CA5037977}" type="slidenum">
               <a:rPr lang="fr-BE" smtClean="0"/>
               <a:pPr/>
-              <a:t>6</a:t>
+              <a:t>5</a:t>
             </a:fld>
             <a:endParaRPr lang="fr-BE"/>
           </a:p>
@@ -13927,7 +13556,7 @@
 </p:sld>
 </file>
 
-<file path=ppt/slides/slide7.xml><?xml version="1.0" encoding="utf-8"?>
+<file path=ppt/slides/slide6.xml><?xml version="1.0" encoding="utf-8"?>
 <p:sld xmlns:a="http://schemas.openxmlformats.org/drawingml/2006/main" xmlns:r="http://schemas.openxmlformats.org/officeDocument/2006/relationships" xmlns:p="http://schemas.openxmlformats.org/presentationml/2006/main">
   <p:cSld>
     <p:spTree>
@@ -13998,7 +13627,7 @@
             <a:fld id="{CF4668DC-857F-487D-BFFA-8C0CA5037977}" type="slidenum">
               <a:rPr lang="fr-BE" smtClean="0"/>
               <a:pPr/>
-              <a:t>7</a:t>
+              <a:t>6</a:t>
             </a:fld>
             <a:endParaRPr lang="fr-BE"/>
           </a:p>
@@ -14148,7 +13777,7 @@
 </p:sld>
 </file>
 
-<file path=ppt/slides/slide8.xml><?xml version="1.0" encoding="utf-8"?>
+<file path=ppt/slides/slide7.xml><?xml version="1.0" encoding="utf-8"?>
 <p:sld xmlns:a="http://schemas.openxmlformats.org/drawingml/2006/main" xmlns:r="http://schemas.openxmlformats.org/officeDocument/2006/relationships" xmlns:p="http://schemas.openxmlformats.org/presentationml/2006/main">
   <p:cSld>
     <p:spTree>
@@ -14215,7 +13844,7 @@
             <a:fld id="{CF4668DC-857F-487D-BFFA-8C0CA5037977}" type="slidenum">
               <a:rPr lang="fr-BE" smtClean="0"/>
               <a:pPr/>
-              <a:t>8</a:t>
+              <a:t>7</a:t>
             </a:fld>
             <a:endParaRPr lang="fr-BE"/>
           </a:p>
@@ -14475,7 +14104,7 @@
 </p:sld>
 </file>
 
-<file path=ppt/slides/slide9.xml><?xml version="1.0" encoding="utf-8"?>
+<file path=ppt/slides/slide8.xml><?xml version="1.0" encoding="utf-8"?>
 <p:sld xmlns:a="http://schemas.openxmlformats.org/drawingml/2006/main" xmlns:r="http://schemas.openxmlformats.org/officeDocument/2006/relationships" xmlns:p="http://schemas.openxmlformats.org/presentationml/2006/main">
   <p:cSld>
     <p:spTree>
@@ -14541,7 +14170,7 @@
             <a:fld id="{CF4668DC-857F-487D-BFFA-8C0CA5037977}" type="slidenum">
               <a:rPr lang="fr-BE" smtClean="0"/>
               <a:pPr/>
-              <a:t>9</a:t>
+              <a:t>8</a:t>
             </a:fld>
             <a:endParaRPr lang="fr-BE"/>
           </a:p>
@@ -14630,6 +14259,276 @@
     <p:extLst>
       <p:ext uri="{BB962C8B-B14F-4D97-AF65-F5344CB8AC3E}">
         <p14:creationId xmlns:p14="http://schemas.microsoft.com/office/powerpoint/2010/main" val="1103052654"/>
+      </p:ext>
+    </p:extLst>
+  </p:cSld>
+  <p:clrMapOvr>
+    <a:masterClrMapping/>
+  </p:clrMapOvr>
+</p:sld>
+</file>
+
+<file path=ppt/slides/slide9.xml><?xml version="1.0" encoding="utf-8"?>
+<p:sld xmlns:a="http://schemas.openxmlformats.org/drawingml/2006/main" xmlns:r="http://schemas.openxmlformats.org/officeDocument/2006/relationships" xmlns:p="http://schemas.openxmlformats.org/presentationml/2006/main">
+  <p:cSld>
+    <p:spTree>
+      <p:nvGrpSpPr>
+        <p:cNvPr id="1" name=""/>
+        <p:cNvGrpSpPr/>
+        <p:nvPr/>
+      </p:nvGrpSpPr>
+      <p:grpSpPr>
+        <a:xfrm>
+          <a:off x="0" y="0"/>
+          <a:ext cx="0" cy="0"/>
+          <a:chOff x="0" y="0"/>
+          <a:chExt cx="0" cy="0"/>
+        </a:xfrm>
+      </p:grpSpPr>
+      <p:sp>
+        <p:nvSpPr>
+          <p:cNvPr id="2" name="Titre 1"/>
+          <p:cNvSpPr>
+            <a:spLocks noGrp="1"/>
+          </p:cNvSpPr>
+          <p:nvPr>
+            <p:ph type="title"/>
+          </p:nvPr>
+        </p:nvSpPr>
+        <p:spPr/>
+        <p:txBody>
+          <a:bodyPr>
+            <a:normAutofit fontScale="90000"/>
+          </a:bodyPr>
+          <a:lstStyle/>
+          <a:p>
+            <a:r>
+              <a:rPr lang="fr-FR" dirty="0"/>
+              <a:t>Convertisseurs d’énergie</a:t>
+            </a:r>
+            <a:br>
+              <a:rPr lang="fr-FR" dirty="0"/>
+            </a:br>
+            <a:r>
+              <a:rPr lang="fr-FR" dirty="0"/>
+              <a:t>Les vérins</a:t>
+            </a:r>
+          </a:p>
+        </p:txBody>
+      </p:sp>
+      <p:sp>
+        <p:nvSpPr>
+          <p:cNvPr id="4" name="Espace réservé du numéro de diapositive 3"/>
+          <p:cNvSpPr>
+            <a:spLocks noGrp="1"/>
+          </p:cNvSpPr>
+          <p:nvPr>
+            <p:ph type="sldNum" sz="quarter" idx="15"/>
+          </p:nvPr>
+        </p:nvSpPr>
+        <p:spPr/>
+        <p:txBody>
+          <a:bodyPr/>
+          <a:lstStyle/>
+          <a:p>
+            <a:fld id="{CF4668DC-857F-487D-BFFA-8C0CA5037977}" type="slidenum">
+              <a:rPr lang="fr-BE" smtClean="0"/>
+              <a:pPr/>
+              <a:t>9</a:t>
+            </a:fld>
+            <a:endParaRPr lang="fr-BE"/>
+          </a:p>
+        </p:txBody>
+      </p:sp>
+      <p:sp>
+        <p:nvSpPr>
+          <p:cNvPr id="5" name="Espace réservé du pied de page 4"/>
+          <p:cNvSpPr>
+            <a:spLocks noGrp="1"/>
+          </p:cNvSpPr>
+          <p:nvPr>
+            <p:ph type="ftr" sz="quarter" idx="16"/>
+          </p:nvPr>
+        </p:nvSpPr>
+        <p:spPr/>
+        <p:txBody>
+          <a:bodyPr/>
+          <a:lstStyle/>
+          <a:p>
+            <a:r>
+              <a:rPr lang="fr-BE" smtClean="0"/>
+              <a:t>Xavier Pessoles - Jean-Pierre Pupier</a:t>
+            </a:r>
+            <a:endParaRPr lang="fr-BE"/>
+          </a:p>
+        </p:txBody>
+      </p:sp>
+      <p:pic>
+        <p:nvPicPr>
+          <p:cNvPr id="7171" name="Picture 3"/>
+          <p:cNvPicPr>
+            <a:picLocks noChangeAspect="1" noChangeArrowheads="1"/>
+          </p:cNvPicPr>
+          <p:nvPr/>
+        </p:nvPicPr>
+        <p:blipFill>
+          <a:blip r:embed="rId2">
+            <a:extLst>
+              <a:ext uri="{28A0092B-C50C-407E-A947-70E740481C1C}">
+                <a14:useLocalDpi xmlns:a14="http://schemas.microsoft.com/office/drawing/2010/main" val="0"/>
+              </a:ext>
+            </a:extLst>
+          </a:blip>
+          <a:srcRect/>
+          <a:stretch>
+            <a:fillRect/>
+          </a:stretch>
+        </p:blipFill>
+        <p:spPr bwMode="auto">
+          <a:xfrm>
+            <a:off x="323528" y="1196752"/>
+            <a:ext cx="7096125" cy="1581150"/>
+          </a:xfrm>
+          <a:prstGeom prst="rect">
+            <a:avLst/>
+          </a:prstGeom>
+          <a:noFill/>
+          <a:ln>
+            <a:noFill/>
+          </a:ln>
+          <a:extLst>
+            <a:ext uri="{909E8E84-426E-40DD-AFC4-6F175D3DCCD1}">
+              <a14:hiddenFill xmlns:a14="http://schemas.microsoft.com/office/drawing/2010/main">
+                <a:solidFill>
+                  <a:schemeClr val="accent1"/>
+                </a:solidFill>
+              </a14:hiddenFill>
+            </a:ext>
+            <a:ext uri="{91240B29-F687-4F45-9708-019B960494DF}">
+              <a14:hiddenLine xmlns:a14="http://schemas.microsoft.com/office/drawing/2010/main" w="9525">
+                <a:solidFill>
+                  <a:schemeClr val="tx1"/>
+                </a:solidFill>
+                <a:miter lim="800000"/>
+                <a:headEnd/>
+                <a:tailEnd/>
+              </a14:hiddenLine>
+            </a:ext>
+          </a:extLst>
+        </p:spPr>
+      </p:pic>
+      <p:pic>
+        <p:nvPicPr>
+          <p:cNvPr id="7172" name="Picture 4"/>
+          <p:cNvPicPr>
+            <a:picLocks noChangeAspect="1" noChangeArrowheads="1"/>
+          </p:cNvPicPr>
+          <p:nvPr/>
+        </p:nvPicPr>
+        <p:blipFill>
+          <a:blip r:embed="rId3">
+            <a:extLst>
+              <a:ext uri="{28A0092B-C50C-407E-A947-70E740481C1C}">
+                <a14:useLocalDpi xmlns:a14="http://schemas.microsoft.com/office/drawing/2010/main" val="0"/>
+              </a:ext>
+            </a:extLst>
+          </a:blip>
+          <a:srcRect/>
+          <a:stretch>
+            <a:fillRect/>
+          </a:stretch>
+        </p:blipFill>
+        <p:spPr bwMode="auto">
+          <a:xfrm>
+            <a:off x="323528" y="2777902"/>
+            <a:ext cx="7086600" cy="2000250"/>
+          </a:xfrm>
+          <a:prstGeom prst="rect">
+            <a:avLst/>
+          </a:prstGeom>
+          <a:noFill/>
+          <a:ln>
+            <a:noFill/>
+          </a:ln>
+          <a:extLst>
+            <a:ext uri="{909E8E84-426E-40DD-AFC4-6F175D3DCCD1}">
+              <a14:hiddenFill xmlns:a14="http://schemas.microsoft.com/office/drawing/2010/main">
+                <a:solidFill>
+                  <a:schemeClr val="accent1"/>
+                </a:solidFill>
+              </a14:hiddenFill>
+            </a:ext>
+            <a:ext uri="{91240B29-F687-4F45-9708-019B960494DF}">
+              <a14:hiddenLine xmlns:a14="http://schemas.microsoft.com/office/drawing/2010/main" w="9525">
+                <a:solidFill>
+                  <a:schemeClr val="tx1"/>
+                </a:solidFill>
+                <a:miter lim="800000"/>
+                <a:headEnd/>
+                <a:tailEnd/>
+              </a14:hiddenLine>
+            </a:ext>
+          </a:extLst>
+        </p:spPr>
+      </p:pic>
+      <p:pic>
+        <p:nvPicPr>
+          <p:cNvPr id="7173" name="Picture 5"/>
+          <p:cNvPicPr>
+            <a:picLocks noChangeAspect="1" noChangeArrowheads="1"/>
+          </p:cNvPicPr>
+          <p:nvPr/>
+        </p:nvPicPr>
+        <p:blipFill>
+          <a:blip r:embed="rId4">
+            <a:extLst>
+              <a:ext uri="{28A0092B-C50C-407E-A947-70E740481C1C}">
+                <a14:useLocalDpi xmlns:a14="http://schemas.microsoft.com/office/drawing/2010/main" val="0"/>
+              </a:ext>
+            </a:extLst>
+          </a:blip>
+          <a:srcRect/>
+          <a:stretch>
+            <a:fillRect/>
+          </a:stretch>
+        </p:blipFill>
+        <p:spPr bwMode="auto">
+          <a:xfrm>
+            <a:off x="827584" y="4786619"/>
+            <a:ext cx="4930502" cy="1825868"/>
+          </a:xfrm>
+          <a:prstGeom prst="rect">
+            <a:avLst/>
+          </a:prstGeom>
+          <a:noFill/>
+          <a:ln>
+            <a:noFill/>
+          </a:ln>
+          <a:extLst>
+            <a:ext uri="{909E8E84-426E-40DD-AFC4-6F175D3DCCD1}">
+              <a14:hiddenFill xmlns:a14="http://schemas.microsoft.com/office/drawing/2010/main">
+                <a:solidFill>
+                  <a:schemeClr val="accent1"/>
+                </a:solidFill>
+              </a14:hiddenFill>
+            </a:ext>
+            <a:ext uri="{91240B29-F687-4F45-9708-019B960494DF}">
+              <a14:hiddenLine xmlns:a14="http://schemas.microsoft.com/office/drawing/2010/main" w="9525">
+                <a:solidFill>
+                  <a:schemeClr val="tx1"/>
+                </a:solidFill>
+                <a:miter lim="800000"/>
+                <a:headEnd/>
+                <a:tailEnd/>
+              </a14:hiddenLine>
+            </a:ext>
+          </a:extLst>
+        </p:spPr>
+      </p:pic>
+    </p:spTree>
+    <p:extLst>
+      <p:ext uri="{BB962C8B-B14F-4D97-AF65-F5344CB8AC3E}">
+        <p14:creationId xmlns:p14="http://schemas.microsoft.com/office/powerpoint/2010/main" val="3178474576"/>
       </p:ext>
     </p:extLst>
   </p:cSld>
